--- a/doc/텐초의 파이토치 딥러닝 특강/학습하는_조직.pptx
+++ b/doc/텐초의 파이토치 딥러닝 특강/학습하는_조직.pptx
@@ -278,7 +278,7 @@
           <a:p>
             <a:fld id="{FCAB6690-4312-4404-9EC1-71A5713B99A4}" type="datetimeFigureOut">
               <a:rPr lang="ko-KR" altLang="en-US" smtClean="0"/>
-              <a:t>2023-07-17</a:t>
+              <a:t>2023-07-24</a:t>
             </a:fld>
             <a:endParaRPr lang="ko-KR" altLang="en-US"/>
           </a:p>
@@ -478,7 +478,7 @@
           <a:p>
             <a:fld id="{FCAB6690-4312-4404-9EC1-71A5713B99A4}" type="datetimeFigureOut">
               <a:rPr lang="ko-KR" altLang="en-US" smtClean="0"/>
-              <a:t>2023-07-17</a:t>
+              <a:t>2023-07-24</a:t>
             </a:fld>
             <a:endParaRPr lang="ko-KR" altLang="en-US"/>
           </a:p>
@@ -688,7 +688,7 @@
           <a:p>
             <a:fld id="{FCAB6690-4312-4404-9EC1-71A5713B99A4}" type="datetimeFigureOut">
               <a:rPr lang="ko-KR" altLang="en-US" smtClean="0"/>
-              <a:t>2023-07-17</a:t>
+              <a:t>2023-07-24</a:t>
             </a:fld>
             <a:endParaRPr lang="ko-KR" altLang="en-US"/>
           </a:p>
@@ -888,7 +888,7 @@
           <a:p>
             <a:fld id="{FCAB6690-4312-4404-9EC1-71A5713B99A4}" type="datetimeFigureOut">
               <a:rPr lang="ko-KR" altLang="en-US" smtClean="0"/>
-              <a:t>2023-07-17</a:t>
+              <a:t>2023-07-24</a:t>
             </a:fld>
             <a:endParaRPr lang="ko-KR" altLang="en-US"/>
           </a:p>
@@ -1164,7 +1164,7 @@
           <a:p>
             <a:fld id="{FCAB6690-4312-4404-9EC1-71A5713B99A4}" type="datetimeFigureOut">
               <a:rPr lang="ko-KR" altLang="en-US" smtClean="0"/>
-              <a:t>2023-07-17</a:t>
+              <a:t>2023-07-24</a:t>
             </a:fld>
             <a:endParaRPr lang="ko-KR" altLang="en-US"/>
           </a:p>
@@ -1432,7 +1432,7 @@
           <a:p>
             <a:fld id="{FCAB6690-4312-4404-9EC1-71A5713B99A4}" type="datetimeFigureOut">
               <a:rPr lang="ko-KR" altLang="en-US" smtClean="0"/>
-              <a:t>2023-07-17</a:t>
+              <a:t>2023-07-24</a:t>
             </a:fld>
             <a:endParaRPr lang="ko-KR" altLang="en-US"/>
           </a:p>
@@ -1847,7 +1847,7 @@
           <a:p>
             <a:fld id="{FCAB6690-4312-4404-9EC1-71A5713B99A4}" type="datetimeFigureOut">
               <a:rPr lang="ko-KR" altLang="en-US" smtClean="0"/>
-              <a:t>2023-07-17</a:t>
+              <a:t>2023-07-24</a:t>
             </a:fld>
             <a:endParaRPr lang="ko-KR" altLang="en-US"/>
           </a:p>
@@ -1989,7 +1989,7 @@
           <a:p>
             <a:fld id="{FCAB6690-4312-4404-9EC1-71A5713B99A4}" type="datetimeFigureOut">
               <a:rPr lang="ko-KR" altLang="en-US" smtClean="0"/>
-              <a:t>2023-07-17</a:t>
+              <a:t>2023-07-24</a:t>
             </a:fld>
             <a:endParaRPr lang="ko-KR" altLang="en-US"/>
           </a:p>
@@ -2102,7 +2102,7 @@
           <a:p>
             <a:fld id="{FCAB6690-4312-4404-9EC1-71A5713B99A4}" type="datetimeFigureOut">
               <a:rPr lang="ko-KR" altLang="en-US" smtClean="0"/>
-              <a:t>2023-07-17</a:t>
+              <a:t>2023-07-24</a:t>
             </a:fld>
             <a:endParaRPr lang="ko-KR" altLang="en-US"/>
           </a:p>
@@ -2415,7 +2415,7 @@
           <a:p>
             <a:fld id="{FCAB6690-4312-4404-9EC1-71A5713B99A4}" type="datetimeFigureOut">
               <a:rPr lang="ko-KR" altLang="en-US" smtClean="0"/>
-              <a:t>2023-07-17</a:t>
+              <a:t>2023-07-24</a:t>
             </a:fld>
             <a:endParaRPr lang="ko-KR" altLang="en-US"/>
           </a:p>
@@ -2704,7 +2704,7 @@
           <a:p>
             <a:fld id="{FCAB6690-4312-4404-9EC1-71A5713B99A4}" type="datetimeFigureOut">
               <a:rPr lang="ko-KR" altLang="en-US" smtClean="0"/>
-              <a:t>2023-07-17</a:t>
+              <a:t>2023-07-24</a:t>
             </a:fld>
             <a:endParaRPr lang="ko-KR" altLang="en-US"/>
           </a:p>
@@ -2947,7 +2947,7 @@
           <a:p>
             <a:fld id="{FCAB6690-4312-4404-9EC1-71A5713B99A4}" type="datetimeFigureOut">
               <a:rPr lang="ko-KR" altLang="en-US" smtClean="0"/>
-              <a:t>2023-07-17</a:t>
+              <a:t>2023-07-24</a:t>
             </a:fld>
             <a:endParaRPr lang="ko-KR" altLang="en-US"/>
           </a:p>
@@ -4826,7 +4826,19 @@
             <a:pPr algn="ctr"/>
             <a:r>
               <a:rPr lang="ko-Kore-KR" altLang="en-US" b="1" dirty="0"/>
-              <a:t>AUROC는 더 많은 과거의 정보에 기반하고</a:t>
+              <a:t>AUROC는</a:t>
+            </a:r>
+            <a:r>
+              <a:rPr lang="en-US" altLang="en-US" b="1" dirty="0"/>
+              <a:t>,</a:t>
+            </a:r>
+            <a:r>
+              <a:rPr lang="ko-Kore-KR" altLang="en-US" b="1" dirty="0"/>
+              <a:t> 더 많은 과거의 정보</a:t>
+            </a:r>
+            <a:r>
+              <a:rPr lang="ko-KR" altLang="en-US" b="1"/>
+              <a:t>를 학습 시키고</a:t>
             </a:r>
             <a:r>
               <a:rPr lang="en-US" altLang="ko-Kore-KR" b="1" dirty="0"/>
@@ -4841,20 +4853,8 @@
               <a:t> </a:t>
             </a:r>
             <a:r>
-              <a:rPr lang="ko-Kore-KR" altLang="en-US" b="1" dirty="0"/>
-              <a:t>근시적인 미래 예측 예측</a:t>
-            </a:r>
-            <a:r>
               <a:rPr lang="ko-KR" altLang="en-US" b="1" dirty="0"/>
-              <a:t> </a:t>
-            </a:r>
-            <a:r>
-              <a:rPr lang="ko-Kore-KR" altLang="en-US" b="1" dirty="0"/>
-              <a:t>할</a:t>
-            </a:r>
-            <a:r>
-              <a:rPr lang="ko-KR" altLang="en-US" b="1" dirty="0"/>
-              <a:t> 수록 </a:t>
+              <a:t>예측 하는 미래가 가까울 수록 </a:t>
             </a:r>
             <a:r>
               <a:rPr lang="ko-Kore-KR" altLang="en-US" b="1" dirty="0"/>
@@ -4970,7 +4970,7 @@
           <a:p>
             <a:r>
               <a:rPr lang="ko-KR" altLang="en-US" dirty="0"/>
-              <a:t>논문의 </a:t>
+              <a:t>본 논문의 </a:t>
             </a:r>
             <a:r>
               <a:rPr lang="en-US" altLang="ko-KR" dirty="0"/>
@@ -6068,7 +6068,7 @@
           <a:p>
             <a:r>
               <a:rPr lang="ko-KR" altLang="en-US" sz="2400" dirty="0"/>
-              <a:t>새로운 것을 배운 후 숙달 과정이 있어야 새로운 것을 배울 수 있다</a:t>
+              <a:t>새로운 것을 배운 후 숙달 과정이 있어야 새로운 배움에 대한 시야가 넓어 진다</a:t>
             </a:r>
             <a:r>
               <a:rPr lang="en-US" altLang="ko-KR" sz="2400" dirty="0"/>
@@ -6086,12 +6086,11 @@
             </a:r>
           </a:p>
           <a:p>
-            <a:pPr lvl="1"/>
-            <a:r>
-              <a:rPr lang="ko-KR" altLang="en-US" sz="2000" dirty="0"/>
-              <a:t>다양한 과제들을 해결하며 배운 것을 우선 숙달 시킨다</a:t>
-            </a:r>
-            <a:endParaRPr lang="en-US" altLang="ko-KR" sz="2000" dirty="0"/>
+            <a:r>
+              <a:rPr lang="ko-KR" altLang="en-US" sz="2400" dirty="0"/>
+              <a:t>다양한 과제들을 해결을 통해 경험치를 늘리자</a:t>
+            </a:r>
+            <a:endParaRPr lang="en-US" altLang="ko-KR" sz="2400" dirty="0"/>
           </a:p>
         </p:txBody>
       </p:sp>
@@ -7671,7 +7670,7 @@
             </a:r>
             <a:r>
               <a:rPr lang="en-US" altLang="ko-KR" dirty="0"/>
-              <a:t>: 6</a:t>
+              <a:t>: 7</a:t>
             </a:r>
             <a:r>
               <a:rPr lang="ko-KR" altLang="en-US" dirty="0"/>

--- a/doc/텐초의 파이토치 딥러닝 특강/학습하는_조직.pptx
+++ b/doc/텐초의 파이토치 딥러닝 특강/학습하는_조직.pptx
@@ -12,17 +12,18 @@
     <p:sldId id="259" r:id="rId6"/>
     <p:sldId id="260" r:id="rId7"/>
     <p:sldId id="261" r:id="rId8"/>
-    <p:sldId id="271" r:id="rId9"/>
-    <p:sldId id="264" r:id="rId10"/>
-    <p:sldId id="262" r:id="rId11"/>
-    <p:sldId id="274" r:id="rId12"/>
-    <p:sldId id="266" r:id="rId13"/>
-    <p:sldId id="267" r:id="rId14"/>
-    <p:sldId id="275" r:id="rId15"/>
-    <p:sldId id="269" r:id="rId16"/>
-    <p:sldId id="273" r:id="rId17"/>
-    <p:sldId id="272" r:id="rId18"/>
-    <p:sldId id="265" r:id="rId19"/>
+    <p:sldId id="276" r:id="rId9"/>
+    <p:sldId id="271" r:id="rId10"/>
+    <p:sldId id="264" r:id="rId11"/>
+    <p:sldId id="262" r:id="rId12"/>
+    <p:sldId id="274" r:id="rId13"/>
+    <p:sldId id="266" r:id="rId14"/>
+    <p:sldId id="267" r:id="rId15"/>
+    <p:sldId id="275" r:id="rId16"/>
+    <p:sldId id="269" r:id="rId17"/>
+    <p:sldId id="273" r:id="rId18"/>
+    <p:sldId id="272" r:id="rId19"/>
+    <p:sldId id="265" r:id="rId20"/>
   </p:sldIdLst>
   <p:sldSz cx="12192000" cy="6858000"/>
   <p:notesSz cx="6858000" cy="9144000"/>
@@ -278,7 +279,7 @@
           <a:p>
             <a:fld id="{FCAB6690-4312-4404-9EC1-71A5713B99A4}" type="datetimeFigureOut">
               <a:rPr lang="ko-KR" altLang="en-US" smtClean="0"/>
-              <a:t>2023-07-24</a:t>
+              <a:t>2023-07-26</a:t>
             </a:fld>
             <a:endParaRPr lang="ko-KR" altLang="en-US"/>
           </a:p>
@@ -478,7 +479,7 @@
           <a:p>
             <a:fld id="{FCAB6690-4312-4404-9EC1-71A5713B99A4}" type="datetimeFigureOut">
               <a:rPr lang="ko-KR" altLang="en-US" smtClean="0"/>
-              <a:t>2023-07-24</a:t>
+              <a:t>2023-07-26</a:t>
             </a:fld>
             <a:endParaRPr lang="ko-KR" altLang="en-US"/>
           </a:p>
@@ -688,7 +689,7 @@
           <a:p>
             <a:fld id="{FCAB6690-4312-4404-9EC1-71A5713B99A4}" type="datetimeFigureOut">
               <a:rPr lang="ko-KR" altLang="en-US" smtClean="0"/>
-              <a:t>2023-07-24</a:t>
+              <a:t>2023-07-26</a:t>
             </a:fld>
             <a:endParaRPr lang="ko-KR" altLang="en-US"/>
           </a:p>
@@ -888,7 +889,7 @@
           <a:p>
             <a:fld id="{FCAB6690-4312-4404-9EC1-71A5713B99A4}" type="datetimeFigureOut">
               <a:rPr lang="ko-KR" altLang="en-US" smtClean="0"/>
-              <a:t>2023-07-24</a:t>
+              <a:t>2023-07-26</a:t>
             </a:fld>
             <a:endParaRPr lang="ko-KR" altLang="en-US"/>
           </a:p>
@@ -1164,7 +1165,7 @@
           <a:p>
             <a:fld id="{FCAB6690-4312-4404-9EC1-71A5713B99A4}" type="datetimeFigureOut">
               <a:rPr lang="ko-KR" altLang="en-US" smtClean="0"/>
-              <a:t>2023-07-24</a:t>
+              <a:t>2023-07-26</a:t>
             </a:fld>
             <a:endParaRPr lang="ko-KR" altLang="en-US"/>
           </a:p>
@@ -1432,7 +1433,7 @@
           <a:p>
             <a:fld id="{FCAB6690-4312-4404-9EC1-71A5713B99A4}" type="datetimeFigureOut">
               <a:rPr lang="ko-KR" altLang="en-US" smtClean="0"/>
-              <a:t>2023-07-24</a:t>
+              <a:t>2023-07-26</a:t>
             </a:fld>
             <a:endParaRPr lang="ko-KR" altLang="en-US"/>
           </a:p>
@@ -1847,7 +1848,7 @@
           <a:p>
             <a:fld id="{FCAB6690-4312-4404-9EC1-71A5713B99A4}" type="datetimeFigureOut">
               <a:rPr lang="ko-KR" altLang="en-US" smtClean="0"/>
-              <a:t>2023-07-24</a:t>
+              <a:t>2023-07-26</a:t>
             </a:fld>
             <a:endParaRPr lang="ko-KR" altLang="en-US"/>
           </a:p>
@@ -1989,7 +1990,7 @@
           <a:p>
             <a:fld id="{FCAB6690-4312-4404-9EC1-71A5713B99A4}" type="datetimeFigureOut">
               <a:rPr lang="ko-KR" altLang="en-US" smtClean="0"/>
-              <a:t>2023-07-24</a:t>
+              <a:t>2023-07-26</a:t>
             </a:fld>
             <a:endParaRPr lang="ko-KR" altLang="en-US"/>
           </a:p>
@@ -2102,7 +2103,7 @@
           <a:p>
             <a:fld id="{FCAB6690-4312-4404-9EC1-71A5713B99A4}" type="datetimeFigureOut">
               <a:rPr lang="ko-KR" altLang="en-US" smtClean="0"/>
-              <a:t>2023-07-24</a:t>
+              <a:t>2023-07-26</a:t>
             </a:fld>
             <a:endParaRPr lang="ko-KR" altLang="en-US"/>
           </a:p>
@@ -2415,7 +2416,7 @@
           <a:p>
             <a:fld id="{FCAB6690-4312-4404-9EC1-71A5713B99A4}" type="datetimeFigureOut">
               <a:rPr lang="ko-KR" altLang="en-US" smtClean="0"/>
-              <a:t>2023-07-24</a:t>
+              <a:t>2023-07-26</a:t>
             </a:fld>
             <a:endParaRPr lang="ko-KR" altLang="en-US"/>
           </a:p>
@@ -2704,7 +2705,7 @@
           <a:p>
             <a:fld id="{FCAB6690-4312-4404-9EC1-71A5713B99A4}" type="datetimeFigureOut">
               <a:rPr lang="ko-KR" altLang="en-US" smtClean="0"/>
-              <a:t>2023-07-24</a:t>
+              <a:t>2023-07-26</a:t>
             </a:fld>
             <a:endParaRPr lang="ko-KR" altLang="en-US"/>
           </a:p>
@@ -2947,7 +2948,7 @@
           <a:p>
             <a:fld id="{FCAB6690-4312-4404-9EC1-71A5713B99A4}" type="datetimeFigureOut">
               <a:rPr lang="ko-KR" altLang="en-US" smtClean="0"/>
-              <a:t>2023-07-24</a:t>
+              <a:t>2023-07-26</a:t>
             </a:fld>
             <a:endParaRPr lang="ko-KR" altLang="en-US"/>
           </a:p>
@@ -3472,15 +3473,15 @@
           <p:cNvPr id="2" name="제목 1">
             <a:extLst>
               <a:ext uri="{FF2B5EF4-FFF2-40B4-BE49-F238E27FC236}">
-                <a16:creationId xmlns:a16="http://schemas.microsoft.com/office/drawing/2014/main" id="{C165E99E-E905-E961-FE1B-DF6A6956A24D}"/>
-              </a:ext>
-            </a:extLst>
-          </p:cNvPr>
-          <p:cNvSpPr>
-            <a:spLocks noGrp="1"/>
-          </p:cNvSpPr>
-          <p:nvPr>
-            <p:ph type="title"/>
+                <a16:creationId xmlns:a16="http://schemas.microsoft.com/office/drawing/2014/main" id="{12A1F5C5-E9B6-99E9-F1B1-2A1FA8125F1F}"/>
+              </a:ext>
+            </a:extLst>
+          </p:cNvPr>
+          <p:cNvSpPr>
+            <a:spLocks noGrp="1"/>
+          </p:cNvSpPr>
+          <p:nvPr>
+            <p:ph type="ctrTitle"/>
           </p:nvPr>
         </p:nvSpPr>
         <p:spPr/>
@@ -3489,255 +3490,17 @@
           <a:lstStyle/>
           <a:p>
             <a:r>
-              <a:rPr lang="ko-KR" altLang="en-US"/>
-              <a:t>개요</a:t>
-            </a:r>
-            <a:endParaRPr lang="ko-KR" altLang="en-US" dirty="0"/>
-          </a:p>
-        </p:txBody>
-      </p:sp>
-      <p:sp>
-        <p:nvSpPr>
-          <p:cNvPr id="3" name="내용 개체 틀 2">
-            <a:extLst>
-              <a:ext uri="{FF2B5EF4-FFF2-40B4-BE49-F238E27FC236}">
-                <a16:creationId xmlns:a16="http://schemas.microsoft.com/office/drawing/2014/main" id="{CC964493-FC44-06BF-AF90-899A0B599D92}"/>
-              </a:ext>
-            </a:extLst>
-          </p:cNvPr>
-          <p:cNvSpPr>
-            <a:spLocks noGrp="1"/>
-          </p:cNvSpPr>
-          <p:nvPr>
-            <p:ph idx="1"/>
-          </p:nvPr>
-        </p:nvSpPr>
-        <p:spPr/>
-        <p:txBody>
-          <a:bodyPr>
-            <a:normAutofit fontScale="92500" lnSpcReduction="10000"/>
-          </a:bodyPr>
-          <a:lstStyle/>
-          <a:p>
-            <a:r>
-              <a:rPr lang="ko-KR" altLang="en-US" dirty="0"/>
-              <a:t>제목 </a:t>
-            </a:r>
-            <a:r>
-              <a:rPr lang="en-US" altLang="ko-KR" dirty="0"/>
-              <a:t>: </a:t>
-            </a:r>
-            <a:r>
-              <a:rPr lang="ko-KR" altLang="en-US" dirty="0"/>
-              <a:t>응급실 환자들의 악화를 예측하기 위한 </a:t>
-            </a:r>
-            <a:r>
-              <a:rPr lang="ko-KR" altLang="en-US" dirty="0" err="1"/>
-              <a:t>머신러닝</a:t>
-            </a:r>
-            <a:r>
-              <a:rPr lang="ko-KR" altLang="en-US" dirty="0"/>
-              <a:t> 기반 임상 의사 결정 지원 시스템의 개발</a:t>
+              <a:rPr lang="ko-KR" altLang="en-US" dirty="0"/>
+              <a:t>연구 논문 공유</a:t>
             </a:r>
             <a:endParaRPr lang="en-US" altLang="ko-KR" dirty="0"/>
-          </a:p>
-          <a:p>
-            <a:pPr lvl="1"/>
-            <a:r>
-              <a:rPr lang="en-US" altLang="ko-KR" dirty="0"/>
-              <a:t>Development of a machine learning‑based clinical decision support system to predict clinical deterioration in patients visiting the emergency department</a:t>
-            </a:r>
-            <a:r>
-              <a:rPr lang="ko-KR" altLang="en-US" dirty="0"/>
-              <a:t> </a:t>
-            </a:r>
-            <a:endParaRPr lang="en-US" altLang="ko-KR" dirty="0"/>
-          </a:p>
-          <a:p>
-            <a:pPr lvl="1"/>
-            <a:r>
-              <a:rPr lang="en-US" altLang="ko-KR" dirty="0"/>
-              <a:t>URL : https://</a:t>
-            </a:r>
-            <a:r>
-              <a:rPr lang="en-US" altLang="ko-KR" dirty="0" err="1"/>
-              <a:t>www.nature.com</a:t>
-            </a:r>
-            <a:r>
-              <a:rPr lang="en-US" altLang="ko-KR" dirty="0"/>
-              <a:t>/articles/s41598-023-35617-3</a:t>
-            </a:r>
-          </a:p>
-          <a:p>
-            <a:pPr lvl="1"/>
-            <a:r>
-              <a:rPr lang="en-US" altLang="ko-KR" dirty="0"/>
-              <a:t>2023</a:t>
-            </a:r>
-            <a:r>
-              <a:rPr lang="ko-KR" altLang="en-US" dirty="0"/>
-              <a:t>년 </a:t>
-            </a:r>
-            <a:r>
-              <a:rPr lang="en-US" altLang="ko-KR" dirty="0"/>
-              <a:t>5</a:t>
-            </a:r>
-            <a:r>
-              <a:rPr lang="ko-KR" altLang="en-US" dirty="0"/>
-              <a:t>월 논문 개재</a:t>
-            </a:r>
-            <a:endParaRPr lang="en-US" altLang="ko-KR" dirty="0"/>
-          </a:p>
-          <a:p>
-            <a:r>
-              <a:rPr lang="ko-KR" altLang="en-US" dirty="0"/>
-              <a:t>배경 </a:t>
-            </a:r>
-            <a:r>
-              <a:rPr lang="en-US" altLang="ko-KR" dirty="0"/>
-              <a:t>:</a:t>
-            </a:r>
-            <a:r>
-              <a:rPr lang="ko-KR" altLang="en-US" dirty="0"/>
-              <a:t> </a:t>
-            </a:r>
-            <a:r>
-              <a:rPr lang="en-US" altLang="ko-KR" dirty="0"/>
-              <a:t>2022</a:t>
-            </a:r>
-            <a:r>
-              <a:rPr lang="ko-KR" altLang="en-US" dirty="0"/>
-              <a:t>년 </a:t>
-            </a:r>
-            <a:r>
-              <a:rPr lang="ko-KR" altLang="en-US" dirty="0" err="1"/>
-              <a:t>세브란스와</a:t>
-            </a:r>
-            <a:r>
-              <a:rPr lang="ko-KR" altLang="en-US" dirty="0"/>
-              <a:t> 협업한 국책 과제의 결과</a:t>
-            </a:r>
-            <a:endParaRPr lang="en-US" altLang="ko-KR" dirty="0"/>
-          </a:p>
-          <a:p>
-            <a:r>
-              <a:rPr lang="ko-KR" altLang="en-US" dirty="0"/>
-              <a:t>사용 데이터 </a:t>
-            </a:r>
-            <a:r>
-              <a:rPr lang="en-US" altLang="ko-KR" dirty="0"/>
-              <a:t>:</a:t>
-            </a:r>
-            <a:r>
-              <a:rPr lang="ko-KR" altLang="en-US" dirty="0"/>
-              <a:t> </a:t>
-            </a:r>
-            <a:endParaRPr lang="en-US" altLang="ko-KR" dirty="0"/>
-          </a:p>
-          <a:p>
-            <a:pPr lvl="1"/>
-            <a:r>
-              <a:rPr lang="ko-KR" altLang="en-US" dirty="0"/>
-              <a:t>신촌 </a:t>
-            </a:r>
-            <a:r>
-              <a:rPr lang="ko-KR" altLang="en-US" dirty="0" err="1"/>
-              <a:t>세브란스의</a:t>
-            </a:r>
-            <a:r>
-              <a:rPr lang="ko-KR" altLang="en-US" dirty="0"/>
-              <a:t> </a:t>
-            </a:r>
-            <a:r>
-              <a:rPr lang="en-US" altLang="ko-KR" dirty="0"/>
-              <a:t>5</a:t>
-            </a:r>
-            <a:r>
-              <a:rPr lang="ko-KR" altLang="en-US" dirty="0"/>
-              <a:t>년간의 </a:t>
-            </a:r>
-            <a:r>
-              <a:rPr lang="en-US" altLang="ko-KR" dirty="0"/>
-              <a:t>303,345</a:t>
-            </a:r>
-            <a:r>
-              <a:rPr lang="ko-KR" altLang="en-US" dirty="0"/>
-              <a:t>명의 </a:t>
-            </a:r>
-            <a:r>
-              <a:rPr lang="en-US" altLang="ko-KR" dirty="0"/>
-              <a:t>4,787,121 </a:t>
-            </a:r>
-            <a:r>
-              <a:rPr lang="ko-KR" altLang="en-US" dirty="0"/>
-              <a:t>건의 응급실 데이터</a:t>
-            </a:r>
-            <a:r>
-              <a:rPr lang="en-US" altLang="ko-KR" dirty="0"/>
-              <a:t>,</a:t>
-            </a:r>
-            <a:r>
-              <a:rPr lang="ko-KR" altLang="en-US" dirty="0"/>
-              <a:t> </a:t>
-            </a:r>
-            <a:endParaRPr lang="en-US" altLang="ko-KR" dirty="0"/>
-          </a:p>
-          <a:p>
-            <a:r>
-              <a:rPr lang="ko-KR" altLang="en-US" dirty="0"/>
-              <a:t>결과 </a:t>
-            </a:r>
-            <a:r>
-              <a:rPr lang="en-US" altLang="ko-KR" dirty="0"/>
-              <a:t>:</a:t>
-            </a:r>
-          </a:p>
-          <a:p>
-            <a:pPr lvl="1"/>
-            <a:r>
-              <a:rPr lang="en-US" altLang="ko-KR" dirty="0"/>
-              <a:t>AUROC &gt; 0.9</a:t>
-            </a:r>
-            <a:r>
-              <a:rPr lang="ko-KR" altLang="en-US" dirty="0"/>
-              <a:t> </a:t>
-            </a:r>
-            <a:r>
-              <a:rPr lang="en-US" altLang="ko-KR" dirty="0"/>
-              <a:t>(</a:t>
-            </a:r>
-            <a:r>
-              <a:rPr lang="ko-KR" altLang="en-US" dirty="0"/>
-              <a:t>과거 </a:t>
-            </a:r>
-            <a:r>
-              <a:rPr lang="en-US" altLang="ko-KR" dirty="0"/>
-              <a:t>6</a:t>
-            </a:r>
-            <a:r>
-              <a:rPr lang="ko-KR" altLang="en-US" dirty="0"/>
-              <a:t>시간의 결과로 </a:t>
-            </a:r>
-            <a:r>
-              <a:rPr lang="en-US" altLang="ko-KR" dirty="0"/>
-              <a:t>1</a:t>
-            </a:r>
-            <a:r>
-              <a:rPr lang="ko-KR" altLang="en-US" dirty="0"/>
-              <a:t>시간 이내를 예측 하는 결과</a:t>
-            </a:r>
-            <a:r>
-              <a:rPr lang="en-US" altLang="ko-KR" dirty="0"/>
-              <a:t>)</a:t>
-            </a:r>
-            <a:endParaRPr lang="ko-KR" altLang="en-US" dirty="0"/>
           </a:p>
         </p:txBody>
       </p:sp>
     </p:spTree>
     <p:extLst>
       <p:ext uri="{BB962C8B-B14F-4D97-AF65-F5344CB8AC3E}">
-        <p14:creationId xmlns:p14="http://schemas.microsoft.com/office/powerpoint/2010/main" val="808688678"/>
+        <p14:creationId xmlns:p14="http://schemas.microsoft.com/office/powerpoint/2010/main" val="1379888798"/>
       </p:ext>
     </p:extLst>
   </p:cSld>
@@ -3769,6 +3532,295 @@
           <p:cNvPr id="2" name="제목 1">
             <a:extLst>
               <a:ext uri="{FF2B5EF4-FFF2-40B4-BE49-F238E27FC236}">
+                <a16:creationId xmlns:a16="http://schemas.microsoft.com/office/drawing/2014/main" id="{C165E99E-E905-E961-FE1B-DF6A6956A24D}"/>
+              </a:ext>
+            </a:extLst>
+          </p:cNvPr>
+          <p:cNvSpPr>
+            <a:spLocks noGrp="1"/>
+          </p:cNvSpPr>
+          <p:nvPr>
+            <p:ph type="title"/>
+          </p:nvPr>
+        </p:nvSpPr>
+        <p:spPr/>
+        <p:txBody>
+          <a:bodyPr/>
+          <a:lstStyle/>
+          <a:p>
+            <a:r>
+              <a:rPr lang="ko-KR" altLang="en-US"/>
+              <a:t>개요</a:t>
+            </a:r>
+            <a:endParaRPr lang="ko-KR" altLang="en-US" dirty="0"/>
+          </a:p>
+        </p:txBody>
+      </p:sp>
+      <p:sp>
+        <p:nvSpPr>
+          <p:cNvPr id="3" name="내용 개체 틀 2">
+            <a:extLst>
+              <a:ext uri="{FF2B5EF4-FFF2-40B4-BE49-F238E27FC236}">
+                <a16:creationId xmlns:a16="http://schemas.microsoft.com/office/drawing/2014/main" id="{CC964493-FC44-06BF-AF90-899A0B599D92}"/>
+              </a:ext>
+            </a:extLst>
+          </p:cNvPr>
+          <p:cNvSpPr>
+            <a:spLocks noGrp="1"/>
+          </p:cNvSpPr>
+          <p:nvPr>
+            <p:ph idx="1"/>
+          </p:nvPr>
+        </p:nvSpPr>
+        <p:spPr/>
+        <p:txBody>
+          <a:bodyPr>
+            <a:normAutofit fontScale="92500" lnSpcReduction="10000"/>
+          </a:bodyPr>
+          <a:lstStyle/>
+          <a:p>
+            <a:r>
+              <a:rPr lang="ko-KR" altLang="en-US" dirty="0"/>
+              <a:t>제목 </a:t>
+            </a:r>
+            <a:r>
+              <a:rPr lang="en-US" altLang="ko-KR" dirty="0"/>
+              <a:t>: </a:t>
+            </a:r>
+            <a:r>
+              <a:rPr lang="ko-KR" altLang="en-US" dirty="0"/>
+              <a:t>응급실 환자들의 악화를 예측하기 위한 </a:t>
+            </a:r>
+            <a:r>
+              <a:rPr lang="ko-KR" altLang="en-US" dirty="0" err="1"/>
+              <a:t>머신러닝</a:t>
+            </a:r>
+            <a:r>
+              <a:rPr lang="ko-KR" altLang="en-US" dirty="0"/>
+              <a:t> 기반 임상 의사 결정 지원 시스템의 개발</a:t>
+            </a:r>
+            <a:endParaRPr lang="en-US" altLang="ko-KR" dirty="0"/>
+          </a:p>
+          <a:p>
+            <a:pPr lvl="1"/>
+            <a:r>
+              <a:rPr lang="en-US" altLang="ko-KR" dirty="0"/>
+              <a:t>Development of a machine learning‑based clinical decision support system to predict clinical deterioration in patients visiting the emergency department</a:t>
+            </a:r>
+            <a:r>
+              <a:rPr lang="ko-KR" altLang="en-US" dirty="0"/>
+              <a:t> </a:t>
+            </a:r>
+            <a:endParaRPr lang="en-US" altLang="ko-KR" dirty="0"/>
+          </a:p>
+          <a:p>
+            <a:pPr lvl="1"/>
+            <a:r>
+              <a:rPr lang="en-US" altLang="ko-KR" dirty="0"/>
+              <a:t>URL : https://</a:t>
+            </a:r>
+            <a:r>
+              <a:rPr lang="en-US" altLang="ko-KR" dirty="0" err="1"/>
+              <a:t>www.nature.com</a:t>
+            </a:r>
+            <a:r>
+              <a:rPr lang="en-US" altLang="ko-KR" dirty="0"/>
+              <a:t>/articles/s41598-023-35617-3</a:t>
+            </a:r>
+          </a:p>
+          <a:p>
+            <a:pPr lvl="1"/>
+            <a:r>
+              <a:rPr lang="en-US" altLang="ko-KR" dirty="0"/>
+              <a:t>2023</a:t>
+            </a:r>
+            <a:r>
+              <a:rPr lang="ko-KR" altLang="en-US" dirty="0"/>
+              <a:t>년 </a:t>
+            </a:r>
+            <a:r>
+              <a:rPr lang="en-US" altLang="ko-KR" dirty="0"/>
+              <a:t>5</a:t>
+            </a:r>
+            <a:r>
+              <a:rPr lang="ko-KR" altLang="en-US" dirty="0"/>
+              <a:t>월 논문 개재</a:t>
+            </a:r>
+            <a:endParaRPr lang="en-US" altLang="ko-KR" dirty="0"/>
+          </a:p>
+          <a:p>
+            <a:r>
+              <a:rPr lang="ko-KR" altLang="en-US" dirty="0"/>
+              <a:t>배경 </a:t>
+            </a:r>
+            <a:r>
+              <a:rPr lang="en-US" altLang="ko-KR" dirty="0"/>
+              <a:t>:</a:t>
+            </a:r>
+            <a:r>
+              <a:rPr lang="ko-KR" altLang="en-US" dirty="0"/>
+              <a:t> </a:t>
+            </a:r>
+            <a:r>
+              <a:rPr lang="en-US" altLang="ko-KR" dirty="0"/>
+              <a:t>2022</a:t>
+            </a:r>
+            <a:r>
+              <a:rPr lang="ko-KR" altLang="en-US" dirty="0"/>
+              <a:t>년 </a:t>
+            </a:r>
+            <a:r>
+              <a:rPr lang="ko-KR" altLang="en-US" dirty="0" err="1"/>
+              <a:t>세브란스와</a:t>
+            </a:r>
+            <a:r>
+              <a:rPr lang="ko-KR" altLang="en-US" dirty="0"/>
+              <a:t> 협업한 국책 과제의 결과</a:t>
+            </a:r>
+            <a:endParaRPr lang="en-US" altLang="ko-KR" dirty="0"/>
+          </a:p>
+          <a:p>
+            <a:r>
+              <a:rPr lang="ko-KR" altLang="en-US" dirty="0"/>
+              <a:t>사용 데이터 </a:t>
+            </a:r>
+            <a:r>
+              <a:rPr lang="en-US" altLang="ko-KR" dirty="0"/>
+              <a:t>:</a:t>
+            </a:r>
+            <a:r>
+              <a:rPr lang="ko-KR" altLang="en-US" dirty="0"/>
+              <a:t> </a:t>
+            </a:r>
+            <a:endParaRPr lang="en-US" altLang="ko-KR" dirty="0"/>
+          </a:p>
+          <a:p>
+            <a:pPr lvl="1"/>
+            <a:r>
+              <a:rPr lang="ko-KR" altLang="en-US" dirty="0"/>
+              <a:t>신촌 </a:t>
+            </a:r>
+            <a:r>
+              <a:rPr lang="ko-KR" altLang="en-US" dirty="0" err="1"/>
+              <a:t>세브란스의</a:t>
+            </a:r>
+            <a:r>
+              <a:rPr lang="ko-KR" altLang="en-US" dirty="0"/>
+              <a:t> </a:t>
+            </a:r>
+            <a:r>
+              <a:rPr lang="en-US" altLang="ko-KR" dirty="0"/>
+              <a:t>5</a:t>
+            </a:r>
+            <a:r>
+              <a:rPr lang="ko-KR" altLang="en-US" dirty="0"/>
+              <a:t>년간의 </a:t>
+            </a:r>
+            <a:r>
+              <a:rPr lang="en-US" altLang="ko-KR" dirty="0"/>
+              <a:t>303,345</a:t>
+            </a:r>
+            <a:r>
+              <a:rPr lang="ko-KR" altLang="en-US" dirty="0"/>
+              <a:t>명의 </a:t>
+            </a:r>
+            <a:r>
+              <a:rPr lang="en-US" altLang="ko-KR" dirty="0"/>
+              <a:t>4,787,121 </a:t>
+            </a:r>
+            <a:r>
+              <a:rPr lang="ko-KR" altLang="en-US" dirty="0"/>
+              <a:t>건의 응급실 데이터</a:t>
+            </a:r>
+            <a:endParaRPr lang="en-US" altLang="ko-KR" dirty="0"/>
+          </a:p>
+          <a:p>
+            <a:r>
+              <a:rPr lang="ko-KR" altLang="en-US" dirty="0"/>
+              <a:t>결과 </a:t>
+            </a:r>
+            <a:r>
+              <a:rPr lang="en-US" altLang="ko-KR" dirty="0"/>
+              <a:t>:</a:t>
+            </a:r>
+          </a:p>
+          <a:p>
+            <a:pPr lvl="1"/>
+            <a:r>
+              <a:rPr lang="en-US" altLang="ko-KR" dirty="0"/>
+              <a:t>AUROC &gt; 0.9</a:t>
+            </a:r>
+            <a:r>
+              <a:rPr lang="ko-KR" altLang="en-US" dirty="0"/>
+              <a:t> </a:t>
+            </a:r>
+            <a:r>
+              <a:rPr lang="en-US" altLang="ko-KR" dirty="0"/>
+              <a:t>(</a:t>
+            </a:r>
+            <a:r>
+              <a:rPr lang="ko-KR" altLang="en-US" dirty="0"/>
+              <a:t>과거 </a:t>
+            </a:r>
+            <a:r>
+              <a:rPr lang="en-US" altLang="ko-KR" dirty="0"/>
+              <a:t>6</a:t>
+            </a:r>
+            <a:r>
+              <a:rPr lang="ko-KR" altLang="en-US" dirty="0"/>
+              <a:t>시간의 결과로 </a:t>
+            </a:r>
+            <a:r>
+              <a:rPr lang="en-US" altLang="ko-KR" dirty="0"/>
+              <a:t>1</a:t>
+            </a:r>
+            <a:r>
+              <a:rPr lang="ko-KR" altLang="en-US" dirty="0"/>
+              <a:t>시간 이내를 예측 하는 결과</a:t>
+            </a:r>
+            <a:r>
+              <a:rPr lang="en-US" altLang="ko-KR" dirty="0"/>
+              <a:t>)</a:t>
+            </a:r>
+            <a:endParaRPr lang="ko-KR" altLang="en-US" dirty="0"/>
+          </a:p>
+        </p:txBody>
+      </p:sp>
+    </p:spTree>
+    <p:extLst>
+      <p:ext uri="{BB962C8B-B14F-4D97-AF65-F5344CB8AC3E}">
+        <p14:creationId xmlns:p14="http://schemas.microsoft.com/office/powerpoint/2010/main" val="808688678"/>
+      </p:ext>
+    </p:extLst>
+  </p:cSld>
+  <p:clrMapOvr>
+    <a:masterClrMapping/>
+  </p:clrMapOvr>
+</p:sld>
+</file>
+
+<file path=ppt/slides/slide12.xml><?xml version="1.0" encoding="utf-8"?>
+<p:sld xmlns:a="http://schemas.openxmlformats.org/drawingml/2006/main" xmlns:r="http://schemas.openxmlformats.org/officeDocument/2006/relationships" xmlns:p="http://schemas.openxmlformats.org/presentationml/2006/main">
+  <p:cSld>
+    <p:spTree>
+      <p:nvGrpSpPr>
+        <p:cNvPr id="1" name=""/>
+        <p:cNvGrpSpPr/>
+        <p:nvPr/>
+      </p:nvGrpSpPr>
+      <p:grpSpPr>
+        <a:xfrm>
+          <a:off x="0" y="0"/>
+          <a:ext cx="0" cy="0"/>
+          <a:chOff x="0" y="0"/>
+          <a:chExt cx="0" cy="0"/>
+        </a:xfrm>
+      </p:grpSpPr>
+      <p:sp>
+        <p:nvSpPr>
+          <p:cNvPr id="2" name="제목 1">
+            <a:extLst>
+              <a:ext uri="{FF2B5EF4-FFF2-40B4-BE49-F238E27FC236}">
                 <a16:creationId xmlns:a16="http://schemas.microsoft.com/office/drawing/2014/main" id="{173D4CA9-275A-E9F3-BD8B-337B780593A4}"/>
               </a:ext>
             </a:extLst>
@@ -3938,7 +3990,7 @@
 </p:sld>
 </file>
 
-<file path=ppt/slides/slide12.xml><?xml version="1.0" encoding="utf-8"?>
+<file path=ppt/slides/slide13.xml><?xml version="1.0" encoding="utf-8"?>
 <p:sld xmlns:a="http://schemas.openxmlformats.org/drawingml/2006/main" xmlns:r="http://schemas.openxmlformats.org/officeDocument/2006/relationships" xmlns:p="http://schemas.openxmlformats.org/presentationml/2006/main">
   <p:cSld>
     <p:spTree>
@@ -4204,7 +4256,7 @@
 </p:sld>
 </file>
 
-<file path=ppt/slides/slide13.xml><?xml version="1.0" encoding="utf-8"?>
+<file path=ppt/slides/slide14.xml><?xml version="1.0" encoding="utf-8"?>
 <p:sld xmlns:a="http://schemas.openxmlformats.org/drawingml/2006/main" xmlns:r="http://schemas.openxmlformats.org/officeDocument/2006/relationships" xmlns:p="http://schemas.openxmlformats.org/presentationml/2006/main">
   <p:cSld>
     <p:spTree>
@@ -4452,7 +4504,7 @@
 </p:sld>
 </file>
 
-<file path=ppt/slides/slide14.xml><?xml version="1.0" encoding="utf-8"?>
+<file path=ppt/slides/slide15.xml><?xml version="1.0" encoding="utf-8"?>
 <p:sld xmlns:a="http://schemas.openxmlformats.org/drawingml/2006/main" xmlns:r="http://schemas.openxmlformats.org/officeDocument/2006/relationships" xmlns:p="http://schemas.openxmlformats.org/presentationml/2006/main">
   <p:cSld>
     <p:spTree>
@@ -4690,7 +4742,7 @@
 </p:sld>
 </file>
 
-<file path=ppt/slides/slide15.xml><?xml version="1.0" encoding="utf-8"?>
+<file path=ppt/slides/slide16.xml><?xml version="1.0" encoding="utf-8"?>
 <p:sld xmlns:a="http://schemas.openxmlformats.org/drawingml/2006/main" xmlns:r="http://schemas.openxmlformats.org/officeDocument/2006/relationships" xmlns:p="http://schemas.openxmlformats.org/presentationml/2006/main">
   <p:cSld>
     <p:spTree>
@@ -4901,7 +4953,7 @@
 </p:sld>
 </file>
 
-<file path=ppt/slides/slide16.xml><?xml version="1.0" encoding="utf-8"?>
+<file path=ppt/slides/slide17.xml><?xml version="1.0" encoding="utf-8"?>
 <p:sld xmlns:a="http://schemas.openxmlformats.org/drawingml/2006/main" xmlns:r="http://schemas.openxmlformats.org/officeDocument/2006/relationships" xmlns:p="http://schemas.openxmlformats.org/presentationml/2006/main">
   <p:cSld>
     <p:spTree>
@@ -5069,7 +5121,7 @@
 </p:sld>
 </file>
 
-<file path=ppt/slides/slide17.xml><?xml version="1.0" encoding="utf-8"?>
+<file path=ppt/slides/slide18.xml><?xml version="1.0" encoding="utf-8"?>
 <p:sld xmlns:a="http://schemas.openxmlformats.org/drawingml/2006/main" xmlns:r="http://schemas.openxmlformats.org/officeDocument/2006/relationships" xmlns:p="http://schemas.openxmlformats.org/presentationml/2006/main">
   <p:cSld>
     <p:spTree>
@@ -5316,7 +5368,7 @@
 </p:sld>
 </file>
 
-<file path=ppt/slides/slide18.xml><?xml version="1.0" encoding="utf-8"?>
+<file path=ppt/slides/slide19.xml><?xml version="1.0" encoding="utf-8"?>
 <p:sld xmlns:a="http://schemas.openxmlformats.org/drawingml/2006/main" xmlns:r="http://schemas.openxmlformats.org/officeDocument/2006/relationships" xmlns:p="http://schemas.openxmlformats.org/presentationml/2006/main">
   <p:cSld>
     <p:spTree>
@@ -7537,7 +7589,7 @@
           <p:cNvPr id="2" name="제목 1">
             <a:extLst>
               <a:ext uri="{FF2B5EF4-FFF2-40B4-BE49-F238E27FC236}">
-                <a16:creationId xmlns:a16="http://schemas.microsoft.com/office/drawing/2014/main" id="{35C1BD83-61D4-B365-F1AD-09BF5F22B004}"/>
+                <a16:creationId xmlns:a16="http://schemas.microsoft.com/office/drawing/2014/main" id="{8871DC33-86C3-A9B8-75F0-9FCEE1F83B55}"/>
               </a:ext>
             </a:extLst>
           </p:cNvPr>
@@ -7555,7 +7607,7 @@
           <a:p>
             <a:r>
               <a:rPr lang="ko-KR" altLang="en-US" dirty="0"/>
-              <a:t>스터디 광고</a:t>
+              <a:t>로드맵</a:t>
             </a:r>
           </a:p>
         </p:txBody>
@@ -7565,7 +7617,7 @@
           <p:cNvPr id="3" name="내용 개체 틀 2">
             <a:extLst>
               <a:ext uri="{FF2B5EF4-FFF2-40B4-BE49-F238E27FC236}">
-                <a16:creationId xmlns:a16="http://schemas.microsoft.com/office/drawing/2014/main" id="{73CB800E-DE23-004B-7EA8-AB0EB7E82BA6}"/>
+                <a16:creationId xmlns:a16="http://schemas.microsoft.com/office/drawing/2014/main" id="{17BC29F2-C6F0-76E1-2441-351520D67F14}"/>
               </a:ext>
             </a:extLst>
           </p:cNvPr>
@@ -7576,133 +7628,467 @@
             <p:ph idx="1"/>
           </p:nvPr>
         </p:nvSpPr>
-        <p:spPr/>
+        <p:spPr>
+          <a:xfrm>
+            <a:off x="838200" y="1825624"/>
+            <a:ext cx="10515600" cy="2724180"/>
+          </a:xfrm>
+        </p:spPr>
         <p:txBody>
           <a:bodyPr>
-            <a:normAutofit/>
+            <a:normAutofit fontScale="92500" lnSpcReduction="10000"/>
           </a:bodyPr>
           <a:lstStyle/>
           <a:p>
             <a:r>
-              <a:rPr lang="ko-KR" altLang="en-US" dirty="0"/>
-              <a:t>일시 </a:t>
-            </a:r>
-            <a:r>
-              <a:rPr lang="en-US" altLang="ko-KR" dirty="0"/>
-              <a:t>: </a:t>
-            </a:r>
-            <a:r>
-              <a:rPr lang="ko-KR" altLang="en-US" dirty="0"/>
-              <a:t>매주 토요일 오전 </a:t>
-            </a:r>
-            <a:r>
-              <a:rPr lang="en-US" altLang="ko-KR" dirty="0"/>
-              <a:t>9</a:t>
-            </a:r>
-            <a:r>
-              <a:rPr lang="ko-KR" altLang="en-US" dirty="0"/>
-              <a:t>시 부터 </a:t>
-            </a:r>
-            <a:r>
-              <a:rPr lang="en-US" altLang="ko-KR" dirty="0"/>
-              <a:t>2</a:t>
-            </a:r>
-            <a:r>
-              <a:rPr lang="ko-KR" altLang="en-US" dirty="0"/>
-              <a:t>시간</a:t>
+              <a:rPr lang="en-US" altLang="ko-KR" dirty="0"/>
+              <a:t>23</a:t>
+            </a:r>
+            <a:r>
+              <a:rPr lang="ko-KR" altLang="en-US" dirty="0"/>
+              <a:t>년 </a:t>
             </a:r>
             <a:endParaRPr lang="en-US" altLang="ko-KR" dirty="0"/>
           </a:p>
           <a:p>
-            <a:r>
-              <a:rPr lang="ko-KR" altLang="en-US" dirty="0"/>
-              <a:t>장소 </a:t>
-            </a:r>
-            <a:r>
-              <a:rPr lang="en-US" altLang="ko-KR" dirty="0"/>
-              <a:t>: Webex</a:t>
-            </a:r>
-          </a:p>
-          <a:p>
-            <a:r>
-              <a:rPr lang="en-US" altLang="ko-KR" dirty="0"/>
-              <a:t>URL : </a:t>
-            </a:r>
-            <a:r>
-              <a:rPr lang="en-US" altLang="ko-KR" dirty="0">
-                <a:hlinkClick r:id="rId2"/>
-              </a:rPr>
-              <a:t>https://github.com/restful3/ds4th_study</a:t>
+            <a:pPr lvl="1"/>
+            <a:r>
+              <a:rPr lang="ko-KR" altLang="en-US" dirty="0"/>
+              <a:t>교육 과정의 내용을 소화 하는데 집중</a:t>
             </a:r>
             <a:endParaRPr lang="en-US" altLang="ko-KR" dirty="0"/>
           </a:p>
           <a:p>
-            <a:r>
-              <a:rPr lang="ko-KR" altLang="en-US" dirty="0"/>
-              <a:t>대상자 </a:t>
-            </a:r>
-            <a:r>
-              <a:rPr lang="en-US" altLang="ko-KR" dirty="0"/>
-              <a:t>: </a:t>
-            </a:r>
-            <a:r>
-              <a:rPr lang="ko-KR" altLang="en-US" dirty="0" err="1"/>
-              <a:t>딥러닝과</a:t>
-            </a:r>
-            <a:r>
-              <a:rPr lang="ko-KR" altLang="en-US" dirty="0"/>
-              <a:t> </a:t>
-            </a:r>
+            <a:pPr lvl="1"/>
             <a:r>
               <a:rPr lang="ko-KR" altLang="en-US" dirty="0" err="1"/>
               <a:t>머신러닝</a:t>
             </a:r>
             <a:r>
-              <a:rPr lang="ko-KR" altLang="en-US" dirty="0"/>
-              <a:t> 기술에 관심이 있는 사람은 누구나</a:t>
+              <a:rPr lang="en-US" altLang="ko-KR" dirty="0"/>
+              <a:t>/</a:t>
+            </a:r>
+            <a:r>
+              <a:rPr lang="ko-KR" altLang="en-US" dirty="0"/>
+              <a:t>딥러닝 기본 이론 및 응용 예제 중심 실습</a:t>
             </a:r>
             <a:endParaRPr lang="en-US" altLang="ko-KR" dirty="0"/>
           </a:p>
           <a:p>
             <a:r>
-              <a:rPr lang="ko-KR" altLang="en-US" dirty="0"/>
-              <a:t>현재 참석자 수 </a:t>
-            </a:r>
-            <a:r>
-              <a:rPr lang="en-US" altLang="ko-KR" dirty="0"/>
-              <a:t>: 7</a:t>
-            </a:r>
-            <a:r>
-              <a:rPr lang="ko-KR" altLang="en-US" dirty="0"/>
-              <a:t>명</a:t>
+              <a:rPr lang="en-US" altLang="ko-KR" dirty="0"/>
+              <a:t>24</a:t>
+            </a:r>
+            <a:r>
+              <a:rPr lang="ko-KR" altLang="en-US" dirty="0"/>
+              <a:t>년 상반기</a:t>
             </a:r>
             <a:endParaRPr lang="en-US" altLang="ko-KR" dirty="0"/>
           </a:p>
           <a:p>
-            <a:r>
-              <a:rPr lang="ko-KR" altLang="en-US" dirty="0"/>
-              <a:t>연락처 </a:t>
-            </a:r>
-            <a:r>
-              <a:rPr lang="en-US" altLang="ko-KR" dirty="0"/>
-              <a:t>: </a:t>
-            </a:r>
-            <a:r>
-              <a:rPr lang="ko-KR" altLang="en-US" dirty="0"/>
-              <a:t>송태영 책임 </a:t>
-            </a:r>
-            <a:r>
-              <a:rPr lang="en-US" altLang="ko-KR" dirty="0"/>
-              <a:t>(tyoung.song@lge.com)</a:t>
-            </a:r>
-            <a:endParaRPr lang="ko-KR" altLang="en-US" dirty="0"/>
+            <a:pPr lvl="1"/>
+            <a:r>
+              <a:rPr lang="ko-KR" altLang="en-US" dirty="0"/>
+              <a:t>고급 이론서 스터디 및 </a:t>
+            </a:r>
+            <a:r>
+              <a:rPr lang="en-US" altLang="ko-KR" dirty="0"/>
+              <a:t>Kaggle </a:t>
+            </a:r>
+            <a:r>
+              <a:rPr lang="ko-KR" altLang="en-US" dirty="0"/>
+              <a:t>수상 팀 프로젝트 분석</a:t>
+            </a:r>
+            <a:endParaRPr lang="en-US" altLang="ko-KR" dirty="0"/>
+          </a:p>
+          <a:p>
+            <a:r>
+              <a:rPr lang="en-US" altLang="ko-KR" dirty="0"/>
+              <a:t>24</a:t>
+            </a:r>
+            <a:r>
+              <a:rPr lang="ko-KR" altLang="en-US" dirty="0"/>
+              <a:t>년 하반기 이후 </a:t>
+            </a:r>
+            <a:endParaRPr lang="en-US" altLang="ko-KR" dirty="0"/>
+          </a:p>
+          <a:p>
+            <a:pPr lvl="1"/>
+            <a:r>
+              <a:rPr lang="ko-KR" altLang="en-US" dirty="0"/>
+              <a:t>최신 연구 논문 분석 및 연구 주제 선택</a:t>
+            </a:r>
+          </a:p>
+        </p:txBody>
+      </p:sp>
+      <p:cxnSp>
+        <p:nvCxnSpPr>
+          <p:cNvPr id="4" name="직선 화살표 연결선 3">
+            <a:extLst>
+              <a:ext uri="{FF2B5EF4-FFF2-40B4-BE49-F238E27FC236}">
+                <a16:creationId xmlns:a16="http://schemas.microsoft.com/office/drawing/2014/main" id="{283F0DB9-0828-AA04-BE19-3F75BF9C15FF}"/>
+              </a:ext>
+            </a:extLst>
+          </p:cNvPr>
+          <p:cNvCxnSpPr>
+            <a:cxnSpLocks/>
+          </p:cNvCxnSpPr>
+          <p:nvPr/>
+        </p:nvCxnSpPr>
+        <p:spPr>
+          <a:xfrm>
+            <a:off x="1077686" y="5098473"/>
+            <a:ext cx="9794174" cy="0"/>
+          </a:xfrm>
+          <a:prstGeom prst="straightConnector1">
+            <a:avLst/>
+          </a:prstGeom>
+          <a:ln>
+            <a:tailEnd type="triangle"/>
+          </a:ln>
+        </p:spPr>
+        <p:style>
+          <a:lnRef idx="1">
+            <a:schemeClr val="accent1"/>
+          </a:lnRef>
+          <a:fillRef idx="0">
+            <a:schemeClr val="accent1"/>
+          </a:fillRef>
+          <a:effectRef idx="0">
+            <a:schemeClr val="accent1"/>
+          </a:effectRef>
+          <a:fontRef idx="minor">
+            <a:schemeClr val="tx1"/>
+          </a:fontRef>
+        </p:style>
+      </p:cxnSp>
+      <p:sp>
+        <p:nvSpPr>
+          <p:cNvPr id="6" name="TextBox 5">
+            <a:extLst>
+              <a:ext uri="{FF2B5EF4-FFF2-40B4-BE49-F238E27FC236}">
+                <a16:creationId xmlns:a16="http://schemas.microsoft.com/office/drawing/2014/main" id="{06F46E58-6387-FF05-0292-B7817043BF9D}"/>
+              </a:ext>
+            </a:extLst>
+          </p:cNvPr>
+          <p:cNvSpPr txBox="1"/>
+          <p:nvPr/>
+        </p:nvSpPr>
+        <p:spPr>
+          <a:xfrm>
+            <a:off x="838200" y="5165766"/>
+            <a:ext cx="649537" cy="369332"/>
+          </a:xfrm>
+          <a:prstGeom prst="rect">
+            <a:avLst/>
+          </a:prstGeom>
+          <a:noFill/>
+        </p:spPr>
+        <p:txBody>
+          <a:bodyPr wrap="none" rtlCol="0">
+            <a:spAutoFit/>
+          </a:bodyPr>
+          <a:lstStyle/>
+          <a:p>
+            <a:r>
+              <a:rPr lang="en-US" altLang="ko-KR" dirty="0"/>
+              <a:t>23</a:t>
+            </a:r>
+            <a:r>
+              <a:rPr lang="ko-KR" altLang="en-US" dirty="0"/>
+              <a:t>년</a:t>
+            </a:r>
+          </a:p>
+        </p:txBody>
+      </p:sp>
+      <p:sp>
+        <p:nvSpPr>
+          <p:cNvPr id="7" name="TextBox 6">
+            <a:extLst>
+              <a:ext uri="{FF2B5EF4-FFF2-40B4-BE49-F238E27FC236}">
+                <a16:creationId xmlns:a16="http://schemas.microsoft.com/office/drawing/2014/main" id="{40084D28-D4E1-E0EA-8C23-F0E38FD467E1}"/>
+              </a:ext>
+            </a:extLst>
+          </p:cNvPr>
+          <p:cNvSpPr txBox="1"/>
+          <p:nvPr/>
+        </p:nvSpPr>
+        <p:spPr>
+          <a:xfrm>
+            <a:off x="4768925" y="5147519"/>
+            <a:ext cx="649537" cy="369332"/>
+          </a:xfrm>
+          <a:prstGeom prst="rect">
+            <a:avLst/>
+          </a:prstGeom>
+          <a:noFill/>
+        </p:spPr>
+        <p:txBody>
+          <a:bodyPr wrap="none" rtlCol="0">
+            <a:spAutoFit/>
+          </a:bodyPr>
+          <a:lstStyle/>
+          <a:p>
+            <a:r>
+              <a:rPr lang="en-US" altLang="ko-KR" dirty="0"/>
+              <a:t>24</a:t>
+            </a:r>
+            <a:r>
+              <a:rPr lang="ko-KR" altLang="en-US" dirty="0"/>
+              <a:t>년</a:t>
+            </a:r>
+          </a:p>
+        </p:txBody>
+      </p:sp>
+      <p:sp>
+        <p:nvSpPr>
+          <p:cNvPr id="9" name="TextBox 8">
+            <a:extLst>
+              <a:ext uri="{FF2B5EF4-FFF2-40B4-BE49-F238E27FC236}">
+                <a16:creationId xmlns:a16="http://schemas.microsoft.com/office/drawing/2014/main" id="{B47692FA-7720-84C9-2E0E-394B2EE5CB6C}"/>
+              </a:ext>
+            </a:extLst>
+          </p:cNvPr>
+          <p:cNvSpPr txBox="1"/>
+          <p:nvPr/>
+        </p:nvSpPr>
+        <p:spPr>
+          <a:xfrm>
+            <a:off x="8741381" y="5139602"/>
+            <a:ext cx="649537" cy="369332"/>
+          </a:xfrm>
+          <a:prstGeom prst="rect">
+            <a:avLst/>
+          </a:prstGeom>
+          <a:noFill/>
+        </p:spPr>
+        <p:txBody>
+          <a:bodyPr wrap="none" rtlCol="0">
+            <a:spAutoFit/>
+          </a:bodyPr>
+          <a:lstStyle/>
+          <a:p>
+            <a:r>
+              <a:rPr lang="en-US" altLang="ko-KR" dirty="0"/>
+              <a:t>25</a:t>
+            </a:r>
+            <a:r>
+              <a:rPr lang="ko-KR" altLang="en-US" dirty="0"/>
+              <a:t>년</a:t>
+            </a:r>
+          </a:p>
+        </p:txBody>
+      </p:sp>
+      <p:sp>
+        <p:nvSpPr>
+          <p:cNvPr id="11" name="TextBox 10">
+            <a:extLst>
+              <a:ext uri="{FF2B5EF4-FFF2-40B4-BE49-F238E27FC236}">
+                <a16:creationId xmlns:a16="http://schemas.microsoft.com/office/drawing/2014/main" id="{9EB553CC-DE15-8360-ED05-3DE95A1038FF}"/>
+              </a:ext>
+            </a:extLst>
+          </p:cNvPr>
+          <p:cNvSpPr txBox="1"/>
+          <p:nvPr/>
+        </p:nvSpPr>
+        <p:spPr>
+          <a:xfrm>
+            <a:off x="989611" y="4670252"/>
+            <a:ext cx="4030683" cy="307777"/>
+          </a:xfrm>
+          <a:prstGeom prst="rect">
+            <a:avLst/>
+          </a:prstGeom>
+          <a:solidFill>
+            <a:schemeClr val="accent2">
+              <a:lumMod val="75000"/>
+            </a:schemeClr>
+          </a:solidFill>
+          <a:ln>
+            <a:solidFill>
+              <a:schemeClr val="accent2"/>
+            </a:solidFill>
+          </a:ln>
+        </p:spPr>
+        <p:txBody>
+          <a:bodyPr wrap="square">
+            <a:spAutoFit/>
+          </a:bodyPr>
+          <a:lstStyle/>
+          <a:p>
+            <a:pPr algn="ctr"/>
+            <a:r>
+              <a:rPr lang="ko-KR" altLang="en-US" sz="1400" b="0" i="0" dirty="0">
+                <a:solidFill>
+                  <a:srgbClr val="E6EDF3"/>
+                </a:solidFill>
+                <a:effectLst/>
+                <a:latin typeface="-apple-system"/>
+              </a:rPr>
+              <a:t>기초 이론 </a:t>
+            </a:r>
+            <a:r>
+              <a:rPr lang="en-US" altLang="ko-KR" sz="1400" b="0" i="0" dirty="0">
+                <a:solidFill>
+                  <a:srgbClr val="E6EDF3"/>
+                </a:solidFill>
+                <a:effectLst/>
+                <a:latin typeface="-apple-system"/>
+              </a:rPr>
+              <a:t>/ </a:t>
+            </a:r>
+            <a:r>
+              <a:rPr lang="ko-KR" altLang="en-US" sz="1400" b="0" i="0" dirty="0">
+                <a:solidFill>
+                  <a:srgbClr val="E6EDF3"/>
+                </a:solidFill>
+                <a:effectLst/>
+                <a:latin typeface="-apple-system"/>
+              </a:rPr>
+              <a:t>실습 위주</a:t>
+            </a:r>
+            <a:endParaRPr lang="ko-KR" altLang="en-US" sz="1400" dirty="0"/>
+          </a:p>
+        </p:txBody>
+      </p:sp>
+      <p:sp>
+        <p:nvSpPr>
+          <p:cNvPr id="12" name="TextBox 11">
+            <a:extLst>
+              <a:ext uri="{FF2B5EF4-FFF2-40B4-BE49-F238E27FC236}">
+                <a16:creationId xmlns:a16="http://schemas.microsoft.com/office/drawing/2014/main" id="{051BEACB-176B-07DC-D622-B1914522C268}"/>
+              </a:ext>
+            </a:extLst>
+          </p:cNvPr>
+          <p:cNvSpPr txBox="1"/>
+          <p:nvPr/>
+        </p:nvSpPr>
+        <p:spPr>
+          <a:xfrm>
+            <a:off x="5127947" y="4670252"/>
+            <a:ext cx="2720311" cy="307777"/>
+          </a:xfrm>
+          <a:prstGeom prst="rect">
+            <a:avLst/>
+          </a:prstGeom>
+          <a:solidFill>
+            <a:schemeClr val="accent6"/>
+          </a:solidFill>
+          <a:ln>
+            <a:noFill/>
+          </a:ln>
+        </p:spPr>
+        <p:txBody>
+          <a:bodyPr wrap="square">
+            <a:spAutoFit/>
+          </a:bodyPr>
+          <a:lstStyle/>
+          <a:p>
+            <a:pPr algn="ctr"/>
+            <a:r>
+              <a:rPr lang="ko-KR" altLang="en-US" sz="1400" b="0" i="0" dirty="0">
+                <a:solidFill>
+                  <a:srgbClr val="E6EDF3"/>
+                </a:solidFill>
+                <a:effectLst/>
+                <a:latin typeface="-apple-system"/>
+              </a:rPr>
+              <a:t>고급 이론</a:t>
+            </a:r>
+            <a:r>
+              <a:rPr lang="en-US" altLang="ko-KR" sz="1400" dirty="0">
+                <a:solidFill>
+                  <a:srgbClr val="E6EDF3"/>
+                </a:solidFill>
+                <a:latin typeface="-apple-system"/>
+              </a:rPr>
+              <a:t> / Kaggle </a:t>
+            </a:r>
+            <a:r>
+              <a:rPr lang="ko-KR" altLang="en-US" sz="1400" dirty="0">
+                <a:solidFill>
+                  <a:srgbClr val="E6EDF3"/>
+                </a:solidFill>
+                <a:latin typeface="-apple-system"/>
+              </a:rPr>
+              <a:t>수상작 분석</a:t>
+            </a:r>
+            <a:endParaRPr lang="ko-KR" altLang="en-US" sz="1400" dirty="0"/>
+          </a:p>
+        </p:txBody>
+      </p:sp>
+      <p:sp>
+        <p:nvSpPr>
+          <p:cNvPr id="13" name="TextBox 12">
+            <a:extLst>
+              <a:ext uri="{FF2B5EF4-FFF2-40B4-BE49-F238E27FC236}">
+                <a16:creationId xmlns:a16="http://schemas.microsoft.com/office/drawing/2014/main" id="{70A20B49-C8FA-EF3C-CB7B-CB1FC3B1BFF8}"/>
+              </a:ext>
+            </a:extLst>
+          </p:cNvPr>
+          <p:cNvSpPr txBox="1"/>
+          <p:nvPr/>
+        </p:nvSpPr>
+        <p:spPr>
+          <a:xfrm>
+            <a:off x="7995873" y="4670252"/>
+            <a:ext cx="2796505" cy="307777"/>
+          </a:xfrm>
+          <a:prstGeom prst="rect">
+            <a:avLst/>
+          </a:prstGeom>
+          <a:solidFill>
+            <a:srgbClr val="00B0F0"/>
+          </a:solidFill>
+          <a:ln>
+            <a:noFill/>
+          </a:ln>
+        </p:spPr>
+        <p:txBody>
+          <a:bodyPr wrap="square">
+            <a:spAutoFit/>
+          </a:bodyPr>
+          <a:lstStyle/>
+          <a:p>
+            <a:pPr algn="ctr"/>
+            <a:r>
+              <a:rPr lang="ko-KR" altLang="en-US" sz="1400" b="0" i="0" dirty="0">
+                <a:solidFill>
+                  <a:srgbClr val="E6EDF3"/>
+                </a:solidFill>
+                <a:effectLst/>
+                <a:latin typeface="-apple-system"/>
+              </a:rPr>
+              <a:t>최신 연구 </a:t>
+            </a:r>
+            <a:r>
+              <a:rPr lang="en-US" altLang="ko-KR" sz="1400" b="0" i="0" dirty="0">
+                <a:solidFill>
+                  <a:srgbClr val="E6EDF3"/>
+                </a:solidFill>
+                <a:effectLst/>
+                <a:latin typeface="-apple-system"/>
+              </a:rPr>
+              <a:t>/ </a:t>
+            </a:r>
+            <a:r>
+              <a:rPr lang="ko-KR" altLang="en-US" sz="1400" b="0" i="0" dirty="0">
+                <a:solidFill>
+                  <a:srgbClr val="E6EDF3"/>
+                </a:solidFill>
+                <a:effectLst/>
+                <a:latin typeface="-apple-system"/>
+              </a:rPr>
+              <a:t>포트폴리오</a:t>
+            </a:r>
+            <a:endParaRPr lang="ko-KR" altLang="en-US" sz="1400" dirty="0"/>
           </a:p>
         </p:txBody>
       </p:sp>
     </p:spTree>
     <p:extLst>
       <p:ext uri="{BB962C8B-B14F-4D97-AF65-F5344CB8AC3E}">
-        <p14:creationId xmlns:p14="http://schemas.microsoft.com/office/powerpoint/2010/main" val="830480591"/>
+        <p14:creationId xmlns:p14="http://schemas.microsoft.com/office/powerpoint/2010/main" val="1391582412"/>
       </p:ext>
     </p:extLst>
   </p:cSld>
@@ -7734,15 +8120,15 @@
           <p:cNvPr id="2" name="제목 1">
             <a:extLst>
               <a:ext uri="{FF2B5EF4-FFF2-40B4-BE49-F238E27FC236}">
-                <a16:creationId xmlns:a16="http://schemas.microsoft.com/office/drawing/2014/main" id="{12A1F5C5-E9B6-99E9-F1B1-2A1FA8125F1F}"/>
-              </a:ext>
-            </a:extLst>
-          </p:cNvPr>
-          <p:cNvSpPr>
-            <a:spLocks noGrp="1"/>
-          </p:cNvSpPr>
-          <p:nvPr>
-            <p:ph type="ctrTitle"/>
+                <a16:creationId xmlns:a16="http://schemas.microsoft.com/office/drawing/2014/main" id="{35C1BD83-61D4-B365-F1AD-09BF5F22B004}"/>
+              </a:ext>
+            </a:extLst>
+          </p:cNvPr>
+          <p:cNvSpPr>
+            <a:spLocks noGrp="1"/>
+          </p:cNvSpPr>
+          <p:nvPr>
+            <p:ph type="title"/>
           </p:nvPr>
         </p:nvSpPr>
         <p:spPr/>
@@ -7752,16 +8138,154 @@
           <a:p>
             <a:r>
               <a:rPr lang="ko-KR" altLang="en-US" dirty="0"/>
-              <a:t>연구 논문 공유</a:t>
+              <a:t>스터디 광고</a:t>
+            </a:r>
+          </a:p>
+        </p:txBody>
+      </p:sp>
+      <p:sp>
+        <p:nvSpPr>
+          <p:cNvPr id="3" name="내용 개체 틀 2">
+            <a:extLst>
+              <a:ext uri="{FF2B5EF4-FFF2-40B4-BE49-F238E27FC236}">
+                <a16:creationId xmlns:a16="http://schemas.microsoft.com/office/drawing/2014/main" id="{73CB800E-DE23-004B-7EA8-AB0EB7E82BA6}"/>
+              </a:ext>
+            </a:extLst>
+          </p:cNvPr>
+          <p:cNvSpPr>
+            <a:spLocks noGrp="1"/>
+          </p:cNvSpPr>
+          <p:nvPr>
+            <p:ph idx="1"/>
+          </p:nvPr>
+        </p:nvSpPr>
+        <p:spPr/>
+        <p:txBody>
+          <a:bodyPr>
+            <a:normAutofit/>
+          </a:bodyPr>
+          <a:lstStyle/>
+          <a:p>
+            <a:r>
+              <a:rPr lang="ko-KR" altLang="en-US" dirty="0"/>
+              <a:t>일시 </a:t>
+            </a:r>
+            <a:r>
+              <a:rPr lang="en-US" altLang="ko-KR" dirty="0"/>
+              <a:t>: </a:t>
+            </a:r>
+            <a:r>
+              <a:rPr lang="ko-KR" altLang="en-US" dirty="0"/>
+              <a:t>매주 토요일 오전 </a:t>
+            </a:r>
+            <a:r>
+              <a:rPr lang="en-US" altLang="ko-KR" dirty="0"/>
+              <a:t>9</a:t>
+            </a:r>
+            <a:r>
+              <a:rPr lang="ko-KR" altLang="en-US" dirty="0"/>
+              <a:t>시 부터 </a:t>
+            </a:r>
+            <a:r>
+              <a:rPr lang="en-US" altLang="ko-KR" dirty="0"/>
+              <a:t>2</a:t>
+            </a:r>
+            <a:r>
+              <a:rPr lang="ko-KR" altLang="en-US" dirty="0"/>
+              <a:t>시간</a:t>
             </a:r>
             <a:endParaRPr lang="en-US" altLang="ko-KR" dirty="0"/>
+          </a:p>
+          <a:p>
+            <a:r>
+              <a:rPr lang="ko-KR" altLang="en-US" dirty="0"/>
+              <a:t>장소 </a:t>
+            </a:r>
+            <a:r>
+              <a:rPr lang="en-US" altLang="ko-KR" dirty="0"/>
+              <a:t>: Webex</a:t>
+            </a:r>
+          </a:p>
+          <a:p>
+            <a:r>
+              <a:rPr lang="en-US" altLang="ko-KR" dirty="0"/>
+              <a:t>URL : </a:t>
+            </a:r>
+            <a:r>
+              <a:rPr lang="en-US" altLang="ko-KR" dirty="0">
+                <a:hlinkClick r:id="rId2"/>
+              </a:rPr>
+              <a:t>https://github.com/restful3/ds4th_study</a:t>
+            </a:r>
+            <a:endParaRPr lang="en-US" altLang="ko-KR" dirty="0"/>
+          </a:p>
+          <a:p>
+            <a:r>
+              <a:rPr lang="ko-KR" altLang="en-US" dirty="0"/>
+              <a:t>대상자 </a:t>
+            </a:r>
+            <a:r>
+              <a:rPr lang="en-US" altLang="ko-KR" dirty="0"/>
+              <a:t>: </a:t>
+            </a:r>
+            <a:r>
+              <a:rPr lang="ko-KR" altLang="en-US" dirty="0" err="1"/>
+              <a:t>딥러닝과</a:t>
+            </a:r>
+            <a:r>
+              <a:rPr lang="ko-KR" altLang="en-US" dirty="0"/>
+              <a:t> </a:t>
+            </a:r>
+            <a:r>
+              <a:rPr lang="ko-KR" altLang="en-US" dirty="0" err="1"/>
+              <a:t>머신러닝</a:t>
+            </a:r>
+            <a:r>
+              <a:rPr lang="ko-KR" altLang="en-US" dirty="0"/>
+              <a:t> 기술에 관심이 있는 사람은 누구나</a:t>
+            </a:r>
+            <a:endParaRPr lang="en-US" altLang="ko-KR" dirty="0"/>
+          </a:p>
+          <a:p>
+            <a:r>
+              <a:rPr lang="ko-KR" altLang="en-US" dirty="0"/>
+              <a:t>현재 참석자 수 </a:t>
+            </a:r>
+            <a:r>
+              <a:rPr lang="en-US" altLang="ko-KR" dirty="0"/>
+              <a:t>: 7</a:t>
+            </a:r>
+            <a:r>
+              <a:rPr lang="ko-KR" altLang="en-US" dirty="0"/>
+              <a:t>명</a:t>
+            </a:r>
+            <a:endParaRPr lang="en-US" altLang="ko-KR" dirty="0"/>
+          </a:p>
+          <a:p>
+            <a:r>
+              <a:rPr lang="ko-KR" altLang="en-US" dirty="0"/>
+              <a:t>연락처 </a:t>
+            </a:r>
+            <a:r>
+              <a:rPr lang="en-US" altLang="ko-KR" dirty="0"/>
+              <a:t>: </a:t>
+            </a:r>
+            <a:r>
+              <a:rPr lang="ko-KR" altLang="en-US" dirty="0"/>
+              <a:t>송태영 책임 </a:t>
+            </a:r>
+            <a:r>
+              <a:rPr lang="en-US" altLang="ko-KR" dirty="0"/>
+              <a:t>(tyoung.song@lge.com)</a:t>
+            </a:r>
+            <a:endParaRPr lang="ko-KR" altLang="en-US" dirty="0"/>
           </a:p>
         </p:txBody>
       </p:sp>
     </p:spTree>
     <p:extLst>
       <p:ext uri="{BB962C8B-B14F-4D97-AF65-F5344CB8AC3E}">
-        <p14:creationId xmlns:p14="http://schemas.microsoft.com/office/powerpoint/2010/main" val="1379888798"/>
+        <p14:creationId xmlns:p14="http://schemas.microsoft.com/office/powerpoint/2010/main" val="830480591"/>
       </p:ext>
     </p:extLst>
   </p:cSld>
